--- a/Jan 2020/lectures/1_intro_cs.pptx
+++ b/Jan 2020/lectures/1_intro_cs.pptx
@@ -219,7 +219,7 @@
           <a:p>
             <a:fld id="{15ACD993-6E7C-44B6-876B-3BCBA61CF0FC}" type="datetimeFigureOut">
               <a:rPr lang="en-GB" smtClean="0"/>
-              <a:t>24/12/2019</a:t>
+              <a:t>13/01/2020</a:t>
             </a:fld>
             <a:endParaRPr lang="en-GB"/>
           </a:p>
@@ -378,7 +378,7 @@
           <a:p>
             <a:fld id="{A3F91DA7-A2FE-4AC1-BC85-FA3BBFBC227B}" type="slidenum">
               <a:rPr lang="en-GB" smtClean="0"/>
-              <a:t>‹nr.›</a:t>
+              <a:t>‹#›</a:t>
             </a:fld>
             <a:endParaRPr lang="en-GB"/>
           </a:p>
@@ -1122,7 +1122,7 @@
           <a:p>
             <a:fld id="{0952F4B9-71ED-4A37-A257-4AADC9BBFCB9}" type="datetimeFigureOut">
               <a:rPr lang="en-GB" smtClean="0"/>
-              <a:t>24/12/2019</a:t>
+              <a:t>13/01/2020</a:t>
             </a:fld>
             <a:endParaRPr lang="en-GB"/>
           </a:p>
@@ -1164,7 +1164,7 @@
           <a:p>
             <a:fld id="{4F43AA7F-578B-43EE-AE82-70BC47B8FC38}" type="slidenum">
               <a:rPr lang="en-GB" smtClean="0"/>
-              <a:t>‹nr.›</a:t>
+              <a:t>‹#›</a:t>
             </a:fld>
             <a:endParaRPr lang="en-GB"/>
           </a:p>
@@ -1292,7 +1292,7 @@
           <a:p>
             <a:fld id="{0952F4B9-71ED-4A37-A257-4AADC9BBFCB9}" type="datetimeFigureOut">
               <a:rPr lang="en-GB" smtClean="0"/>
-              <a:t>24/12/2019</a:t>
+              <a:t>13/01/2020</a:t>
             </a:fld>
             <a:endParaRPr lang="en-GB"/>
           </a:p>
@@ -1334,7 +1334,7 @@
           <a:p>
             <a:fld id="{4F43AA7F-578B-43EE-AE82-70BC47B8FC38}" type="slidenum">
               <a:rPr lang="en-GB" smtClean="0"/>
-              <a:t>‹nr.›</a:t>
+              <a:t>‹#›</a:t>
             </a:fld>
             <a:endParaRPr lang="en-GB"/>
           </a:p>
@@ -1472,7 +1472,7 @@
           <a:p>
             <a:fld id="{0952F4B9-71ED-4A37-A257-4AADC9BBFCB9}" type="datetimeFigureOut">
               <a:rPr lang="en-GB" smtClean="0"/>
-              <a:t>24/12/2019</a:t>
+              <a:t>13/01/2020</a:t>
             </a:fld>
             <a:endParaRPr lang="en-GB"/>
           </a:p>
@@ -1514,7 +1514,7 @@
           <a:p>
             <a:fld id="{4F43AA7F-578B-43EE-AE82-70BC47B8FC38}" type="slidenum">
               <a:rPr lang="en-GB" smtClean="0"/>
-              <a:t>‹nr.›</a:t>
+              <a:t>‹#›</a:t>
             </a:fld>
             <a:endParaRPr lang="en-GB"/>
           </a:p>
@@ -1642,7 +1642,7 @@
           <a:p>
             <a:fld id="{0952F4B9-71ED-4A37-A257-4AADC9BBFCB9}" type="datetimeFigureOut">
               <a:rPr lang="en-GB" smtClean="0"/>
-              <a:t>24/12/2019</a:t>
+              <a:t>13/01/2020</a:t>
             </a:fld>
             <a:endParaRPr lang="en-GB"/>
           </a:p>
@@ -1684,7 +1684,7 @@
           <a:p>
             <a:fld id="{4F43AA7F-578B-43EE-AE82-70BC47B8FC38}" type="slidenum">
               <a:rPr lang="en-GB" smtClean="0"/>
-              <a:t>‹nr.›</a:t>
+              <a:t>‹#›</a:t>
             </a:fld>
             <a:endParaRPr lang="en-GB"/>
           </a:p>
@@ -1888,7 +1888,7 @@
           <a:p>
             <a:fld id="{0952F4B9-71ED-4A37-A257-4AADC9BBFCB9}" type="datetimeFigureOut">
               <a:rPr lang="en-GB" smtClean="0"/>
-              <a:t>24/12/2019</a:t>
+              <a:t>13/01/2020</a:t>
             </a:fld>
             <a:endParaRPr lang="en-GB"/>
           </a:p>
@@ -1930,7 +1930,7 @@
           <a:p>
             <a:fld id="{4F43AA7F-578B-43EE-AE82-70BC47B8FC38}" type="slidenum">
               <a:rPr lang="en-GB" smtClean="0"/>
-              <a:t>‹nr.›</a:t>
+              <a:t>‹#›</a:t>
             </a:fld>
             <a:endParaRPr lang="en-GB"/>
           </a:p>
@@ -2120,7 +2120,7 @@
           <a:p>
             <a:fld id="{0952F4B9-71ED-4A37-A257-4AADC9BBFCB9}" type="datetimeFigureOut">
               <a:rPr lang="en-GB" smtClean="0"/>
-              <a:t>24/12/2019</a:t>
+              <a:t>13/01/2020</a:t>
             </a:fld>
             <a:endParaRPr lang="en-GB"/>
           </a:p>
@@ -2162,7 +2162,7 @@
           <a:p>
             <a:fld id="{4F43AA7F-578B-43EE-AE82-70BC47B8FC38}" type="slidenum">
               <a:rPr lang="en-GB" smtClean="0"/>
-              <a:t>‹nr.›</a:t>
+              <a:t>‹#›</a:t>
             </a:fld>
             <a:endParaRPr lang="en-GB"/>
           </a:p>
@@ -2492,7 +2492,7 @@
           <a:p>
             <a:fld id="{0952F4B9-71ED-4A37-A257-4AADC9BBFCB9}" type="datetimeFigureOut">
               <a:rPr lang="en-GB" smtClean="0"/>
-              <a:t>24/12/2019</a:t>
+              <a:t>13/01/2020</a:t>
             </a:fld>
             <a:endParaRPr lang="en-GB"/>
           </a:p>
@@ -2534,7 +2534,7 @@
           <a:p>
             <a:fld id="{4F43AA7F-578B-43EE-AE82-70BC47B8FC38}" type="slidenum">
               <a:rPr lang="en-GB" smtClean="0"/>
-              <a:t>‹nr.›</a:t>
+              <a:t>‹#›</a:t>
             </a:fld>
             <a:endParaRPr lang="en-GB"/>
           </a:p>
@@ -2615,7 +2615,7 @@
           <a:p>
             <a:fld id="{0952F4B9-71ED-4A37-A257-4AADC9BBFCB9}" type="datetimeFigureOut">
               <a:rPr lang="en-GB" smtClean="0"/>
-              <a:t>24/12/2019</a:t>
+              <a:t>13/01/2020</a:t>
             </a:fld>
             <a:endParaRPr lang="en-GB"/>
           </a:p>
@@ -2657,7 +2657,7 @@
           <a:p>
             <a:fld id="{4F43AA7F-578B-43EE-AE82-70BC47B8FC38}" type="slidenum">
               <a:rPr lang="en-GB" smtClean="0"/>
-              <a:t>‹nr.›</a:t>
+              <a:t>‹#›</a:t>
             </a:fld>
             <a:endParaRPr lang="en-GB"/>
           </a:p>
@@ -2710,7 +2710,7 @@
           <a:p>
             <a:fld id="{0952F4B9-71ED-4A37-A257-4AADC9BBFCB9}" type="datetimeFigureOut">
               <a:rPr lang="en-GB" smtClean="0"/>
-              <a:t>24/12/2019</a:t>
+              <a:t>13/01/2020</a:t>
             </a:fld>
             <a:endParaRPr lang="en-GB"/>
           </a:p>
@@ -2752,7 +2752,7 @@
           <a:p>
             <a:fld id="{4F43AA7F-578B-43EE-AE82-70BC47B8FC38}" type="slidenum">
               <a:rPr lang="en-GB" smtClean="0"/>
-              <a:t>‹nr.›</a:t>
+              <a:t>‹#›</a:t>
             </a:fld>
             <a:endParaRPr lang="en-GB"/>
           </a:p>
@@ -2987,7 +2987,7 @@
           <a:p>
             <a:fld id="{0952F4B9-71ED-4A37-A257-4AADC9BBFCB9}" type="datetimeFigureOut">
               <a:rPr lang="en-GB" smtClean="0"/>
-              <a:t>24/12/2019</a:t>
+              <a:t>13/01/2020</a:t>
             </a:fld>
             <a:endParaRPr lang="en-GB"/>
           </a:p>
@@ -3029,7 +3029,7 @@
           <a:p>
             <a:fld id="{4F43AA7F-578B-43EE-AE82-70BC47B8FC38}" type="slidenum">
               <a:rPr lang="en-GB" smtClean="0"/>
-              <a:t>‹nr.›</a:t>
+              <a:t>‹#›</a:t>
             </a:fld>
             <a:endParaRPr lang="en-GB"/>
           </a:p>
@@ -3249,7 +3249,7 @@
           <a:p>
             <a:fld id="{0952F4B9-71ED-4A37-A257-4AADC9BBFCB9}" type="datetimeFigureOut">
               <a:rPr lang="en-GB" smtClean="0"/>
-              <a:t>24/12/2019</a:t>
+              <a:t>13/01/2020</a:t>
             </a:fld>
             <a:endParaRPr lang="en-GB"/>
           </a:p>
@@ -3291,7 +3291,7 @@
           <a:p>
             <a:fld id="{4F43AA7F-578B-43EE-AE82-70BC47B8FC38}" type="slidenum">
               <a:rPr lang="en-GB" smtClean="0"/>
-              <a:t>‹nr.›</a:t>
+              <a:t>‹#›</a:t>
             </a:fld>
             <a:endParaRPr lang="en-GB"/>
           </a:p>
@@ -3462,7 +3462,7 @@
           <a:p>
             <a:fld id="{0952F4B9-71ED-4A37-A257-4AADC9BBFCB9}" type="datetimeFigureOut">
               <a:rPr lang="en-GB" smtClean="0"/>
-              <a:t>24/12/2019</a:t>
+              <a:t>13/01/2020</a:t>
             </a:fld>
             <a:endParaRPr lang="en-GB"/>
           </a:p>
@@ -3540,7 +3540,7 @@
           <a:p>
             <a:fld id="{4F43AA7F-578B-43EE-AE82-70BC47B8FC38}" type="slidenum">
               <a:rPr lang="en-GB" smtClean="0"/>
-              <a:t>‹nr.›</a:t>
+              <a:t>‹#›</a:t>
             </a:fld>
             <a:endParaRPr lang="en-GB"/>
           </a:p>
@@ -5523,7 +5523,7 @@
             <a:pPr lvl="1"/>
             <a:r>
               <a:rPr lang="en-GB" dirty="0"/>
-              <a:t>Support for Python 2.x will stop 2020</a:t>
+              <a:t>Support for Python 2.x has now stopped!</a:t>
             </a:r>
           </a:p>
           <a:p>
@@ -5550,7 +5550,7 @@
             <a:pPr lvl="1"/>
             <a:r>
               <a:rPr lang="en-GB" dirty="0"/>
-              <a:t>Not completely backward compatible!</a:t>
+              <a:t>Not completely backward compatible</a:t>
             </a:r>
           </a:p>
         </p:txBody>

--- a/Jan 2020/lectures/1_intro_cs.pptx
+++ b/Jan 2020/lectures/1_intro_cs.pptx
@@ -6386,6 +6386,20 @@
               <a:rPr lang="en-GB" dirty="0"/>
               <a:t>Find the notebook ‘Python lesson 1’</a:t>
             </a:r>
+          </a:p>
+          <a:p>
+            <a:pPr lvl="1"/>
+            <a:endParaRPr lang="en-GB" dirty="0"/>
+          </a:p>
+          <a:p>
+            <a:pPr lvl="1"/>
+            <a:r>
+              <a:rPr lang="en-GB" dirty="0">
+                <a:hlinkClick r:id="rId2"/>
+              </a:rPr>
+              <a:t>https://github.com/DoriMG/SN_python_course</a:t>
+            </a:r>
+            <a:endParaRPr lang="en-GB" dirty="0"/>
           </a:p>
         </p:txBody>
       </p:sp>
